--- a/doc/SmartBlog.pptx
+++ b/doc/SmartBlog.pptx
@@ -35,7 +35,7 @@
   <p:notesSz cx="6858000" cy="9144000"/>
   <p:embeddedFontLst>
     <p:embeddedFont>
-      <p:font typeface="Lato" panose="020F0502020204030203" pitchFamily="34" charset="0"/>
+      <p:font typeface="Lato" panose="020B0604020202020204" charset="0"/>
       <p:regular r:id="rId25"/>
       <p:bold r:id="rId26"/>
       <p:italic r:id="rId27"/>
@@ -11537,6 +11537,50 @@
           <a:ln/>
         </p:spPr>
       </p:pic>
+      <p:cxnSp>
+        <p:nvCxnSpPr>
+          <p:cNvPr id="3" name="Connettore 2 2">
+            <a:extLst>
+              <a:ext uri="{FF2B5EF4-FFF2-40B4-BE49-F238E27FC236}">
+                <a16:creationId xmlns:a16="http://schemas.microsoft.com/office/drawing/2014/main" id="{5B1FAB26-08B2-4110-801D-6978747BD66B}"/>
+              </a:ext>
+            </a:extLst>
+          </p:cNvPr>
+          <p:cNvCxnSpPr>
+            <a:cxnSpLocks/>
+          </p:cNvCxnSpPr>
+          <p:nvPr/>
+        </p:nvCxnSpPr>
+        <p:spPr>
+          <a:xfrm>
+            <a:off x="5327650" y="3581400"/>
+            <a:ext cx="647700" cy="0"/>
+          </a:xfrm>
+          <a:prstGeom prst="straightConnector1">
+            <a:avLst/>
+          </a:prstGeom>
+          <a:ln w="12700">
+            <a:solidFill>
+              <a:schemeClr val="bg2"/>
+            </a:solidFill>
+            <a:tailEnd type="triangle"/>
+          </a:ln>
+        </p:spPr>
+        <p:style>
+          <a:lnRef idx="1">
+            <a:schemeClr val="accent1"/>
+          </a:lnRef>
+          <a:fillRef idx="0">
+            <a:schemeClr val="accent1"/>
+          </a:fillRef>
+          <a:effectRef idx="0">
+            <a:schemeClr val="accent1"/>
+          </a:effectRef>
+          <a:fontRef idx="minor">
+            <a:schemeClr val="tx1"/>
+          </a:fontRef>
+        </p:style>
+      </p:cxnSp>
     </p:spTree>
     <p:extLst>
       <p:ext uri="{BB962C8B-B14F-4D97-AF65-F5344CB8AC3E}">

--- a/doc/SmartBlog.pptx
+++ b/doc/SmartBlog.pptx
@@ -10508,36 +10508,6 @@
           <a:chExt cx="0" cy="0"/>
         </a:xfrm>
       </p:grpSpPr>
-      <p:pic>
-        <p:nvPicPr>
-          <p:cNvPr id="3" name="image33.png">
-            <a:extLst>
-              <a:ext uri="{FF2B5EF4-FFF2-40B4-BE49-F238E27FC236}">
-                <a16:creationId xmlns:a16="http://schemas.microsoft.com/office/drawing/2014/main" id="{06B808B3-D079-4B88-93E9-4B3758E2C5D8}"/>
-              </a:ext>
-            </a:extLst>
-          </p:cNvPr>
-          <p:cNvPicPr/>
-          <p:nvPr/>
-        </p:nvPicPr>
-        <p:blipFill>
-          <a:blip r:embed="rId3"/>
-          <a:srcRect/>
-          <a:stretch>
-            <a:fillRect/>
-          </a:stretch>
-        </p:blipFill>
-        <p:spPr>
-          <a:xfrm>
-            <a:off x="1656397" y="1853850"/>
-            <a:ext cx="5831205" cy="3261360"/>
-          </a:xfrm>
-          <a:prstGeom prst="rect">
-            <a:avLst/>
-          </a:prstGeom>
-          <a:ln/>
-        </p:spPr>
-      </p:pic>
       <p:sp>
         <p:nvSpPr>
           <p:cNvPr id="111" name="Google Shape;111;p17"/>
@@ -10580,6 +10550,36 @@
           </a:p>
         </p:txBody>
       </p:sp>
+      <p:pic>
+        <p:nvPicPr>
+          <p:cNvPr id="4" name="Immagine 3">
+            <a:extLst>
+              <a:ext uri="{FF2B5EF4-FFF2-40B4-BE49-F238E27FC236}">
+                <a16:creationId xmlns:a16="http://schemas.microsoft.com/office/drawing/2014/main" id="{88D84DD4-5E43-4077-B5A4-1FADCB3F88A4}"/>
+              </a:ext>
+            </a:extLst>
+          </p:cNvPr>
+          <p:cNvPicPr>
+            <a:picLocks noChangeAspect="1"/>
+          </p:cNvPicPr>
+          <p:nvPr/>
+        </p:nvPicPr>
+        <p:blipFill>
+          <a:blip r:embed="rId3"/>
+          <a:stretch>
+            <a:fillRect/>
+          </a:stretch>
+        </p:blipFill>
+        <p:spPr>
+          <a:xfrm>
+            <a:off x="1624802" y="1853850"/>
+            <a:ext cx="5894396" cy="3234162"/>
+          </a:xfrm>
+          <a:prstGeom prst="rect">
+            <a:avLst/>
+          </a:prstGeom>
+        </p:spPr>
+      </p:pic>
     </p:spTree>
   </p:cSld>
   <p:clrMapOvr>
@@ -11509,78 +11509,34 @@
       </p:sp>
       <p:pic>
         <p:nvPicPr>
-          <p:cNvPr id="4" name="image29.png">
+          <p:cNvPr id="5" name="Immagine 4">
             <a:extLst>
               <a:ext uri="{FF2B5EF4-FFF2-40B4-BE49-F238E27FC236}">
-                <a16:creationId xmlns:a16="http://schemas.microsoft.com/office/drawing/2014/main" id="{FAB21064-1BC1-45AA-89B0-F7F32BAE2929}"/>
+                <a16:creationId xmlns:a16="http://schemas.microsoft.com/office/drawing/2014/main" id="{5BCA43B0-C509-460E-9C38-E54FFB18D370}"/>
               </a:ext>
             </a:extLst>
           </p:cNvPr>
-          <p:cNvPicPr/>
+          <p:cNvPicPr>
+            <a:picLocks noChangeAspect="1"/>
+          </p:cNvPicPr>
           <p:nvPr/>
         </p:nvPicPr>
         <p:blipFill>
           <a:blip r:embed="rId3"/>
-          <a:srcRect/>
           <a:stretch>
             <a:fillRect/>
           </a:stretch>
         </p:blipFill>
         <p:spPr>
           <a:xfrm>
-            <a:off x="1929373" y="1853850"/>
-            <a:ext cx="5285254" cy="3206721"/>
+            <a:off x="1840993" y="1805239"/>
+            <a:ext cx="5462013" cy="3194074"/>
           </a:xfrm>
           <a:prstGeom prst="rect">
             <a:avLst/>
           </a:prstGeom>
-          <a:ln/>
         </p:spPr>
       </p:pic>
-      <p:cxnSp>
-        <p:nvCxnSpPr>
-          <p:cNvPr id="3" name="Connettore 2 2">
-            <a:extLst>
-              <a:ext uri="{FF2B5EF4-FFF2-40B4-BE49-F238E27FC236}">
-                <a16:creationId xmlns:a16="http://schemas.microsoft.com/office/drawing/2014/main" id="{5B1FAB26-08B2-4110-801D-6978747BD66B}"/>
-              </a:ext>
-            </a:extLst>
-          </p:cNvPr>
-          <p:cNvCxnSpPr>
-            <a:cxnSpLocks/>
-          </p:cNvCxnSpPr>
-          <p:nvPr/>
-        </p:nvCxnSpPr>
-        <p:spPr>
-          <a:xfrm>
-            <a:off x="5327650" y="3581400"/>
-            <a:ext cx="647700" cy="0"/>
-          </a:xfrm>
-          <a:prstGeom prst="straightConnector1">
-            <a:avLst/>
-          </a:prstGeom>
-          <a:ln w="12700">
-            <a:solidFill>
-              <a:schemeClr val="bg2"/>
-            </a:solidFill>
-            <a:tailEnd type="triangle"/>
-          </a:ln>
-        </p:spPr>
-        <p:style>
-          <a:lnRef idx="1">
-            <a:schemeClr val="accent1"/>
-          </a:lnRef>
-          <a:fillRef idx="0">
-            <a:schemeClr val="accent1"/>
-          </a:fillRef>
-          <a:effectRef idx="0">
-            <a:schemeClr val="accent1"/>
-          </a:effectRef>
-          <a:fontRef idx="minor">
-            <a:schemeClr val="tx1"/>
-          </a:fontRef>
-        </p:style>
-      </p:cxnSp>
     </p:spTree>
     <p:extLst>
       <p:ext uri="{BB962C8B-B14F-4D97-AF65-F5344CB8AC3E}">
